--- a/Whales project.pptx
+++ b/Whales project.pptx
@@ -743,11 +743,11 @@
   <p:clrMapOvr>
     <a:masterClrMapping/>
   </p:clrMapOvr>
-  <mc:AlternateContent xmlns:mc="http://schemas.openxmlformats.org/markup-compatibility/2006">
-    <mc:Choice xmlns:p14="http://schemas.microsoft.com/office/powerpoint/2010/main" Requires="p14">
+  <mc:AlternateContent xmlns:mc="http://schemas.openxmlformats.org/markup-compatibility/2006" xmlns:p14="http://schemas.microsoft.com/office/powerpoint/2010/main">
+    <mc:Choice Requires="p14">
       <p:transition spd="slow" p14:dur="2000" advTm="0"/>
     </mc:Choice>
-    <mc:Fallback>
+    <mc:Fallback xmlns="">
       <p:transition spd="slow" advTm="0"/>
     </mc:Fallback>
   </mc:AlternateContent>
@@ -921,11 +921,11 @@
   <p:clrMapOvr>
     <a:masterClrMapping/>
   </p:clrMapOvr>
-  <mc:AlternateContent xmlns:mc="http://schemas.openxmlformats.org/markup-compatibility/2006">
-    <mc:Choice xmlns:p14="http://schemas.microsoft.com/office/powerpoint/2010/main" Requires="p14">
+  <mc:AlternateContent xmlns:mc="http://schemas.openxmlformats.org/markup-compatibility/2006" xmlns:p14="http://schemas.microsoft.com/office/powerpoint/2010/main">
+    <mc:Choice Requires="p14">
       <p:transition spd="slow" p14:dur="2000" advTm="0"/>
     </mc:Choice>
-    <mc:Fallback>
+    <mc:Fallback xmlns="">
       <p:transition spd="slow" advTm="0"/>
     </mc:Fallback>
   </mc:AlternateContent>
@@ -1109,11 +1109,11 @@
   <p:clrMapOvr>
     <a:masterClrMapping/>
   </p:clrMapOvr>
-  <mc:AlternateContent xmlns:mc="http://schemas.openxmlformats.org/markup-compatibility/2006">
-    <mc:Choice xmlns:p14="http://schemas.microsoft.com/office/powerpoint/2010/main" Requires="p14">
+  <mc:AlternateContent xmlns:mc="http://schemas.openxmlformats.org/markup-compatibility/2006" xmlns:p14="http://schemas.microsoft.com/office/powerpoint/2010/main">
+    <mc:Choice Requires="p14">
       <p:transition spd="slow" p14:dur="2000" advTm="0"/>
     </mc:Choice>
-    <mc:Fallback>
+    <mc:Fallback xmlns="">
       <p:transition spd="slow" advTm="0"/>
     </mc:Fallback>
   </mc:AlternateContent>
@@ -1287,11 +1287,11 @@
   <p:clrMapOvr>
     <a:masterClrMapping/>
   </p:clrMapOvr>
-  <mc:AlternateContent xmlns:mc="http://schemas.openxmlformats.org/markup-compatibility/2006">
-    <mc:Choice xmlns:p14="http://schemas.microsoft.com/office/powerpoint/2010/main" Requires="p14">
+  <mc:AlternateContent xmlns:mc="http://schemas.openxmlformats.org/markup-compatibility/2006" xmlns:p14="http://schemas.microsoft.com/office/powerpoint/2010/main">
+    <mc:Choice Requires="p14">
       <p:transition spd="slow" p14:dur="2000" advTm="0"/>
     </mc:Choice>
-    <mc:Fallback>
+    <mc:Fallback xmlns="">
       <p:transition spd="slow" advTm="0"/>
     </mc:Fallback>
   </mc:AlternateContent>
@@ -1541,11 +1541,11 @@
   <p:clrMapOvr>
     <a:masterClrMapping/>
   </p:clrMapOvr>
-  <mc:AlternateContent xmlns:mc="http://schemas.openxmlformats.org/markup-compatibility/2006">
-    <mc:Choice xmlns:p14="http://schemas.microsoft.com/office/powerpoint/2010/main" Requires="p14">
+  <mc:AlternateContent xmlns:mc="http://schemas.openxmlformats.org/markup-compatibility/2006" xmlns:p14="http://schemas.microsoft.com/office/powerpoint/2010/main">
+    <mc:Choice Requires="p14">
       <p:transition spd="slow" p14:dur="2000" advTm="0"/>
     </mc:Choice>
-    <mc:Fallback>
+    <mc:Fallback xmlns="">
       <p:transition spd="slow" advTm="0"/>
     </mc:Fallback>
   </mc:AlternateContent>
@@ -1781,11 +1781,11 @@
   <p:clrMapOvr>
     <a:masterClrMapping/>
   </p:clrMapOvr>
-  <mc:AlternateContent xmlns:mc="http://schemas.openxmlformats.org/markup-compatibility/2006">
-    <mc:Choice xmlns:p14="http://schemas.microsoft.com/office/powerpoint/2010/main" Requires="p14">
+  <mc:AlternateContent xmlns:mc="http://schemas.openxmlformats.org/markup-compatibility/2006" xmlns:p14="http://schemas.microsoft.com/office/powerpoint/2010/main">
+    <mc:Choice Requires="p14">
       <p:transition spd="slow" p14:dur="2000" advTm="0"/>
     </mc:Choice>
-    <mc:Fallback>
+    <mc:Fallback xmlns="">
       <p:transition spd="slow" advTm="0"/>
     </mc:Fallback>
   </mc:AlternateContent>
@@ -2156,11 +2156,11 @@
   <p:clrMapOvr>
     <a:masterClrMapping/>
   </p:clrMapOvr>
-  <mc:AlternateContent xmlns:mc="http://schemas.openxmlformats.org/markup-compatibility/2006">
-    <mc:Choice xmlns:p14="http://schemas.microsoft.com/office/powerpoint/2010/main" Requires="p14">
+  <mc:AlternateContent xmlns:mc="http://schemas.openxmlformats.org/markup-compatibility/2006" xmlns:p14="http://schemas.microsoft.com/office/powerpoint/2010/main">
+    <mc:Choice Requires="p14">
       <p:transition spd="slow" p14:dur="2000" advTm="0"/>
     </mc:Choice>
-    <mc:Fallback>
+    <mc:Fallback xmlns="">
       <p:transition spd="slow" advTm="0"/>
     </mc:Fallback>
   </mc:AlternateContent>
@@ -2282,11 +2282,11 @@
   <p:clrMapOvr>
     <a:masterClrMapping/>
   </p:clrMapOvr>
-  <mc:AlternateContent xmlns:mc="http://schemas.openxmlformats.org/markup-compatibility/2006">
-    <mc:Choice xmlns:p14="http://schemas.microsoft.com/office/powerpoint/2010/main" Requires="p14">
+  <mc:AlternateContent xmlns:mc="http://schemas.openxmlformats.org/markup-compatibility/2006" xmlns:p14="http://schemas.microsoft.com/office/powerpoint/2010/main">
+    <mc:Choice Requires="p14">
       <p:transition spd="slow" p14:dur="2000" advTm="0"/>
     </mc:Choice>
-    <mc:Fallback>
+    <mc:Fallback xmlns="">
       <p:transition spd="slow" advTm="0"/>
     </mc:Fallback>
   </mc:AlternateContent>
@@ -2385,11 +2385,11 @@
   <p:clrMapOvr>
     <a:masterClrMapping/>
   </p:clrMapOvr>
-  <mc:AlternateContent xmlns:mc="http://schemas.openxmlformats.org/markup-compatibility/2006">
-    <mc:Choice xmlns:p14="http://schemas.microsoft.com/office/powerpoint/2010/main" Requires="p14">
+  <mc:AlternateContent xmlns:mc="http://schemas.openxmlformats.org/markup-compatibility/2006" xmlns:p14="http://schemas.microsoft.com/office/powerpoint/2010/main">
+    <mc:Choice Requires="p14">
       <p:transition spd="slow" p14:dur="2000" advTm="0"/>
     </mc:Choice>
-    <mc:Fallback>
+    <mc:Fallback xmlns="">
       <p:transition spd="slow" advTm="0"/>
     </mc:Fallback>
   </mc:AlternateContent>
@@ -2670,11 +2670,11 @@
   <p:clrMapOvr>
     <a:masterClrMapping/>
   </p:clrMapOvr>
-  <mc:AlternateContent xmlns:mc="http://schemas.openxmlformats.org/markup-compatibility/2006">
-    <mc:Choice xmlns:p14="http://schemas.microsoft.com/office/powerpoint/2010/main" Requires="p14">
+  <mc:AlternateContent xmlns:mc="http://schemas.openxmlformats.org/markup-compatibility/2006" xmlns:p14="http://schemas.microsoft.com/office/powerpoint/2010/main">
+    <mc:Choice Requires="p14">
       <p:transition spd="slow" p14:dur="2000" advTm="0"/>
     </mc:Choice>
-    <mc:Fallback>
+    <mc:Fallback xmlns="">
       <p:transition spd="slow" advTm="0"/>
     </mc:Fallback>
   </mc:AlternateContent>
@@ -2931,11 +2931,11 @@
   <p:clrMapOvr>
     <a:masterClrMapping/>
   </p:clrMapOvr>
-  <mc:AlternateContent xmlns:mc="http://schemas.openxmlformats.org/markup-compatibility/2006">
-    <mc:Choice xmlns:p14="http://schemas.microsoft.com/office/powerpoint/2010/main" Requires="p14">
+  <mc:AlternateContent xmlns:mc="http://schemas.openxmlformats.org/markup-compatibility/2006" xmlns:p14="http://schemas.microsoft.com/office/powerpoint/2010/main">
+    <mc:Choice Requires="p14">
       <p:transition spd="slow" p14:dur="2000" advTm="0"/>
     </mc:Choice>
-    <mc:Fallback>
+    <mc:Fallback xmlns="">
       <p:transition spd="slow" advTm="0"/>
     </mc:Fallback>
   </mc:AlternateContent>
@@ -3199,11 +3199,11 @@
     <p:sldLayoutId id="2147483658" r:id="rId10"/>
     <p:sldLayoutId id="2147483659" r:id="rId11"/>
   </p:sldLayoutIdLst>
-  <mc:AlternateContent xmlns:mc="http://schemas.openxmlformats.org/markup-compatibility/2006">
-    <mc:Choice xmlns:p14="http://schemas.microsoft.com/office/powerpoint/2010/main" Requires="p14">
+  <mc:AlternateContent xmlns:mc="http://schemas.openxmlformats.org/markup-compatibility/2006" xmlns:p14="http://schemas.microsoft.com/office/powerpoint/2010/main">
+    <mc:Choice Requires="p14">
       <p:transition spd="slow" p14:dur="2000" advTm="0"/>
     </mc:Choice>
-    <mc:Fallback>
+    <mc:Fallback xmlns="">
       <p:transition spd="slow" advTm="0"/>
     </mc:Fallback>
   </mc:AlternateContent>
@@ -4328,12 +4328,12 @@
   </p:clrMapOvr>
   <mc:AlternateContent xmlns:mc="http://schemas.openxmlformats.org/markup-compatibility/2006">
     <mc:Choice xmlns:p14="http://schemas.microsoft.com/office/powerpoint/2010/main" Requires="p14">
-      <p:transition spd="med" p14:dur="700" advTm="0">
+      <p:transition p14:dur="10" advTm="0">
         <p:fade/>
       </p:transition>
     </mc:Choice>
     <mc:Fallback>
-      <p:transition spd="med" advTm="0">
+      <p:transition advTm="0">
         <p:fade/>
       </p:transition>
     </mc:Fallback>
@@ -7318,11 +7318,6 @@
               </a:rPr>
               <a:t> I O N</a:t>
             </a:r>
-            <a:endParaRPr lang="en-US" sz="3200" dirty="0">
-              <a:solidFill>
-                <a:srgbClr val="002060"/>
-              </a:solidFill>
-            </a:endParaRPr>
           </a:p>
         </p:txBody>
       </p:sp>
@@ -8998,13 +8993,13 @@
   <p:clrMapOvr>
     <a:masterClrMapping/>
   </p:clrMapOvr>
-  <mc:AlternateContent xmlns:mc="http://schemas.openxmlformats.org/markup-compatibility/2006">
-    <mc:Choice xmlns:p14="http://schemas.microsoft.com/office/powerpoint/2010/main" Requires="p14">
+  <mc:AlternateContent xmlns:mc="http://schemas.openxmlformats.org/markup-compatibility/2006" xmlns:p14="http://schemas.microsoft.com/office/powerpoint/2010/main">
+    <mc:Choice Requires="p14">
       <p:transition spd="slow" p14:dur="800" advTm="0">
         <p:circle/>
       </p:transition>
     </mc:Choice>
-    <mc:Fallback>
+    <mc:Fallback xmlns="">
       <p:transition spd="slow" advTm="0">
         <p:circle/>
       </p:transition>
